--- a/orga/Sprint_3_Presentation.pptx
+++ b/orga/Sprint_3_Presentation.pptx
@@ -5,20 +5,21 @@
     <p:sldMasterId id="2147483738" r:id="rId1"/>
   </p:sldMasterIdLst>
   <p:notesMasterIdLst>
-    <p:notesMasterId r:id="rId10"/>
+    <p:notesMasterId r:id="rId11"/>
   </p:notesMasterIdLst>
   <p:handoutMasterIdLst>
-    <p:handoutMasterId r:id="rId11"/>
+    <p:handoutMasterId r:id="rId12"/>
   </p:handoutMasterIdLst>
   <p:sldIdLst>
     <p:sldId id="256" r:id="rId2"/>
     <p:sldId id="272" r:id="rId3"/>
     <p:sldId id="266" r:id="rId4"/>
-    <p:sldId id="263" r:id="rId5"/>
-    <p:sldId id="267" r:id="rId6"/>
-    <p:sldId id="264" r:id="rId7"/>
-    <p:sldId id="262" r:id="rId8"/>
-    <p:sldId id="269" r:id="rId9"/>
+    <p:sldId id="273" r:id="rId5"/>
+    <p:sldId id="274" r:id="rId6"/>
+    <p:sldId id="267" r:id="rId7"/>
+    <p:sldId id="264" r:id="rId8"/>
+    <p:sldId id="262" r:id="rId9"/>
+    <p:sldId id="269" r:id="rId10"/>
   </p:sldIdLst>
   <p:sldSz cx="12192000" cy="6858000"/>
   <p:notesSz cx="7099300" cy="10234613"/>
@@ -5076,7 +5077,63 @@
           <a:bodyPr/>
           <a:lstStyle/>
           <a:p>
-            <a:pPr lvl="1"/>
+            <a:pPr marL="0" lvl="1" indent="0">
+              <a:buNone/>
+            </a:pPr>
+            <a:r>
+              <a:rPr lang="en-US" dirty="0"/>
+              <a:t> Swagger </a:t>
+            </a:r>
+            <a:r>
+              <a:rPr lang="en-US" dirty="0" err="1"/>
+              <a:t>Doku</a:t>
+            </a:r>
+            <a:endParaRPr lang="en-US" dirty="0"/>
+          </a:p>
+          <a:p>
+            <a:pPr marL="0" lvl="1" indent="0">
+              <a:buNone/>
+            </a:pPr>
+            <a:endParaRPr lang="en-US" dirty="0"/>
+          </a:p>
+          <a:p>
+            <a:pPr marL="0" lvl="1" indent="0">
+              <a:buNone/>
+            </a:pPr>
+            <a:r>
+              <a:rPr lang="en-US" dirty="0"/>
+              <a:t>                                                                                                               /record und </a:t>
+            </a:r>
+          </a:p>
+          <a:p>
+            <a:pPr marL="0" lvl="1" indent="0">
+              <a:buNone/>
+            </a:pPr>
+            <a:r>
+              <a:rPr lang="en-US" dirty="0"/>
+              <a:t>                                                                                                               /record/</a:t>
+            </a:r>
+            <a:r>
+              <a:rPr lang="en-US" dirty="0" err="1"/>
+              <a:t>json</a:t>
+            </a:r>
+            <a:r>
+              <a:rPr lang="en-US" dirty="0"/>
+              <a:t>                                                            </a:t>
+            </a:r>
+          </a:p>
+          <a:p>
+            <a:pPr marL="0" lvl="1" indent="0">
+              <a:buNone/>
+            </a:pPr>
+            <a:r>
+              <a:rPr lang="en-US" dirty="0"/>
+              <a:t>                                                                                                               </a:t>
+            </a:r>
+            <a:r>
+              <a:rPr lang="en-US" dirty="0" err="1"/>
+              <a:t>klappen</a:t>
+            </a:r>
             <a:endParaRPr lang="en-US" dirty="0"/>
           </a:p>
         </p:txBody>
@@ -5124,10 +5181,40 @@
           </a:p>
         </p:txBody>
       </p:sp>
+      <p:pic>
+        <p:nvPicPr>
+          <p:cNvPr id="7" name="Grafik 6"/>
+          <p:cNvPicPr>
+            <a:picLocks noChangeAspect="1"/>
+          </p:cNvPicPr>
+          <p:nvPr/>
+        </p:nvPicPr>
+        <p:blipFill>
+          <a:blip r:embed="rId2" cstate="print">
+            <a:extLst>
+              <a:ext uri="{28A0092B-C50C-407E-A947-70E740481C1C}">
+                <a14:useLocalDpi xmlns:a14="http://schemas.microsoft.com/office/drawing/2010/main" val="0"/>
+              </a:ext>
+            </a:extLst>
+          </a:blip>
+          <a:stretch>
+            <a:fillRect/>
+          </a:stretch>
+        </p:blipFill>
+        <p:spPr>
+          <a:xfrm>
+            <a:off x="352904" y="1380930"/>
+            <a:ext cx="8822198" cy="4414342"/>
+          </a:xfrm>
+          <a:prstGeom prst="rect">
+            <a:avLst/>
+          </a:prstGeom>
+        </p:spPr>
+      </p:pic>
     </p:spTree>
     <p:extLst>
       <p:ext uri="{BB962C8B-B14F-4D97-AF65-F5344CB8AC3E}">
-        <p14:creationId xmlns:p14="http://schemas.microsoft.com/office/powerpoint/2010/main" val="4242592124"/>
+        <p14:creationId xmlns:p14="http://schemas.microsoft.com/office/powerpoint/2010/main" val="3414447029"/>
       </p:ext>
     </p:extLst>
   </p:cSld>
@@ -5161,38 +5248,161 @@
             <a:spLocks noGrp="1"/>
           </p:cNvSpPr>
           <p:nvPr>
-            <p:ph type="ctrTitle"/>
-          </p:nvPr>
-        </p:nvSpPr>
+            <p:ph type="title"/>
+          </p:nvPr>
+        </p:nvSpPr>
+        <p:spPr/>
+        <p:txBody>
+          <a:bodyPr/>
+          <a:lstStyle/>
+          <a:p>
+            <a:r>
+              <a:rPr lang="de-DE" dirty="0"/>
+              <a:t>API (Nils)</a:t>
+            </a:r>
+          </a:p>
+        </p:txBody>
+      </p:sp>
+      <p:sp>
+        <p:nvSpPr>
+          <p:cNvPr id="3" name="Inhaltsplatzhalter 2"/>
+          <p:cNvSpPr>
+            <a:spLocks noGrp="1"/>
+          </p:cNvSpPr>
+          <p:nvPr>
+            <p:ph sz="quarter" idx="12"/>
+          </p:nvPr>
+        </p:nvSpPr>
+        <p:spPr/>
+        <p:txBody>
+          <a:bodyPr/>
+          <a:lstStyle/>
+          <a:p>
+            <a:pPr marL="457200" indent="-457200">
+              <a:buFont typeface="Arial" panose="020B0604020202020204" pitchFamily="34" charset="0"/>
+              <a:buChar char="•"/>
+            </a:pPr>
+            <a:r>
+              <a:rPr lang="de-DE" dirty="0"/>
+              <a:t>Code hinter Endpunkten geschrieben</a:t>
+            </a:r>
+          </a:p>
+          <a:p>
+            <a:pPr marL="457200" indent="-457200">
+              <a:buFont typeface="Arial" panose="020B0604020202020204" pitchFamily="34" charset="0"/>
+              <a:buChar char="•"/>
+            </a:pPr>
+            <a:r>
+              <a:rPr lang="de-DE" dirty="0"/>
+              <a:t>Anbindung an </a:t>
+            </a:r>
+            <a:r>
+              <a:rPr lang="de-DE" dirty="0" err="1"/>
+              <a:t>Kaloyans</a:t>
+            </a:r>
+            <a:r>
+              <a:rPr lang="de-DE" dirty="0"/>
+              <a:t> Service</a:t>
+            </a:r>
+          </a:p>
+          <a:p>
+            <a:pPr marL="457200" indent="-457200">
+              <a:buFont typeface="Arial" panose="020B0604020202020204" pitchFamily="34" charset="0"/>
+              <a:buChar char="•"/>
+            </a:pPr>
+            <a:r>
+              <a:rPr lang="de-DE" dirty="0"/>
+              <a:t>Page zum Testen von /</a:t>
+            </a:r>
+            <a:r>
+              <a:rPr lang="de-DE" dirty="0" err="1"/>
+              <a:t>records</a:t>
+            </a:r>
+            <a:r>
+              <a:rPr lang="de-DE" dirty="0"/>
+              <a:t> </a:t>
+            </a:r>
+          </a:p>
+        </p:txBody>
+      </p:sp>
+      <p:sp>
+        <p:nvSpPr>
+          <p:cNvPr id="4" name="Fußzeilenplatzhalter 3"/>
+          <p:cNvSpPr>
+            <a:spLocks noGrp="1"/>
+          </p:cNvSpPr>
+          <p:nvPr>
+            <p:ph type="ftr" sz="quarter" idx="13"/>
+          </p:nvPr>
+        </p:nvSpPr>
+        <p:spPr/>
+        <p:txBody>
+          <a:bodyPr/>
+          <a:lstStyle/>
+          <a:p>
+            <a:pPr algn="l"/>
+            <a:endParaRPr lang="de-DE" dirty="0"/>
+          </a:p>
+        </p:txBody>
+      </p:sp>
+      <p:sp>
+        <p:nvSpPr>
+          <p:cNvPr id="5" name="Foliennummernplatzhalter 4"/>
+          <p:cNvSpPr>
+            <a:spLocks noGrp="1"/>
+          </p:cNvSpPr>
+          <p:nvPr>
+            <p:ph type="sldNum" sz="quarter" idx="14"/>
+          </p:nvPr>
+        </p:nvSpPr>
+        <p:spPr/>
+        <p:txBody>
+          <a:bodyPr/>
+          <a:lstStyle/>
+          <a:p>
+            <a:fld id="{4506F84E-75D2-4715-B6C6-C971E49CE21A}" type="slidenum">
+              <a:rPr lang="de-DE" smtClean="0"/>
+              <a:pPr/>
+              <a:t>5</a:t>
+            </a:fld>
+            <a:endParaRPr lang="de-DE" dirty="0"/>
+          </a:p>
+        </p:txBody>
+      </p:sp>
+      <p:pic>
+        <p:nvPicPr>
+          <p:cNvPr id="7" name="Grafik 6"/>
+          <p:cNvPicPr>
+            <a:picLocks noChangeAspect="1"/>
+          </p:cNvPicPr>
+          <p:nvPr/>
+        </p:nvPicPr>
+        <p:blipFill>
+          <a:blip r:embed="rId2">
+            <a:extLst>
+              <a:ext uri="{28A0092B-C50C-407E-A947-70E740481C1C}">
+                <a14:useLocalDpi xmlns:a14="http://schemas.microsoft.com/office/drawing/2010/main" val="0"/>
+              </a:ext>
+            </a:extLst>
+          </a:blip>
+          <a:stretch>
+            <a:fillRect/>
+          </a:stretch>
+        </p:blipFill>
         <p:spPr>
           <a:xfrm>
-            <a:off x="384000" y="2487600"/>
-            <a:ext cx="11424000" cy="443198"/>
+            <a:off x="383115" y="2431643"/>
+            <a:ext cx="8503298" cy="3534183"/>
           </a:xfrm>
-        </p:spPr>
-        <p:txBody>
-          <a:bodyPr/>
-          <a:lstStyle/>
-          <a:p>
-            <a:r>
-              <a:rPr lang="en-US" dirty="0"/>
-              <a:t>Backend (+ </a:t>
-            </a:r>
-            <a:r>
-              <a:rPr lang="en-US" dirty="0" err="1"/>
-              <a:t>Datenbank</a:t>
-            </a:r>
-            <a:r>
-              <a:rPr lang="en-US" dirty="0"/>
-              <a:t>)</a:t>
-            </a:r>
-          </a:p>
-        </p:txBody>
-      </p:sp>
+          <a:prstGeom prst="rect">
+            <a:avLst/>
+          </a:prstGeom>
+        </p:spPr>
+      </p:pic>
     </p:spTree>
     <p:extLst>
       <p:ext uri="{BB962C8B-B14F-4D97-AF65-F5344CB8AC3E}">
-        <p14:creationId xmlns:p14="http://schemas.microsoft.com/office/powerpoint/2010/main" val="3331473797"/>
+        <p14:creationId xmlns:p14="http://schemas.microsoft.com/office/powerpoint/2010/main" val="1826245006"/>
       </p:ext>
     </p:extLst>
   </p:cSld>
@@ -5221,79 +5431,27 @@
       </p:grpSpPr>
       <p:sp>
         <p:nvSpPr>
-          <p:cNvPr id="5" name="Title 4"/>
+          <p:cNvPr id="2" name="Titel 1"/>
           <p:cNvSpPr>
             <a:spLocks noGrp="1"/>
           </p:cNvSpPr>
           <p:nvPr>
-            <p:ph type="title"/>
-          </p:nvPr>
-        </p:nvSpPr>
-        <p:spPr/>
+            <p:ph type="ctrTitle"/>
+          </p:nvPr>
+        </p:nvSpPr>
+        <p:spPr>
+          <a:xfrm>
+            <a:off x="384000" y="2487600"/>
+            <a:ext cx="11424000" cy="443198"/>
+          </a:xfrm>
+        </p:spPr>
         <p:txBody>
           <a:bodyPr/>
           <a:lstStyle/>
           <a:p>
             <a:r>
               <a:rPr lang="en-US" dirty="0"/>
-              <a:t>Backend Microservices </a:t>
-            </a:r>
-          </a:p>
-        </p:txBody>
-      </p:sp>
-      <p:sp>
-        <p:nvSpPr>
-          <p:cNvPr id="6" name="Content Placeholder 5"/>
-          <p:cNvSpPr>
-            <a:spLocks noGrp="1"/>
-          </p:cNvSpPr>
-          <p:nvPr>
-            <p:ph sz="quarter" idx="12"/>
-          </p:nvPr>
-        </p:nvSpPr>
-        <p:spPr/>
-        <p:txBody>
-          <a:bodyPr/>
-          <a:lstStyle/>
-          <a:p>
-            <a:pPr lvl="1"/>
-            <a:r>
-              <a:rPr lang="en-US" b="1" dirty="0"/>
-              <a:t>Sprint 3:</a:t>
-            </a:r>
-          </a:p>
-          <a:p>
-            <a:pPr lvl="2"/>
-            <a:r>
-              <a:rPr lang="en-US" dirty="0" err="1"/>
-              <a:t>Datenmodelle</a:t>
-            </a:r>
-            <a:r>
-              <a:rPr lang="en-US" dirty="0"/>
-              <a:t> </a:t>
-            </a:r>
-            <a:r>
-              <a:rPr lang="en-US" dirty="0" err="1"/>
-              <a:t>mit</a:t>
-            </a:r>
-            <a:r>
-              <a:rPr lang="en-US" dirty="0"/>
-              <a:t> Hibernate</a:t>
-            </a:r>
-          </a:p>
-          <a:p>
-            <a:pPr lvl="2"/>
-            <a:r>
-              <a:rPr lang="en-US" dirty="0"/>
-              <a:t>Controllers </a:t>
-            </a:r>
-            <a:r>
-              <a:rPr lang="en-US" dirty="0" err="1"/>
-              <a:t>für</a:t>
-            </a:r>
-            <a:r>
-              <a:rPr lang="en-US" dirty="0"/>
-              <a:t> die </a:t>
+              <a:t>Backend (+ </a:t>
             </a:r>
             <a:r>
               <a:rPr lang="en-US" dirty="0" err="1"/>
@@ -5301,139 +5459,15 @@
             </a:r>
             <a:r>
               <a:rPr lang="en-US" dirty="0"/>
-              <a:t> </a:t>
-            </a:r>
-            <a:r>
-              <a:rPr lang="en-US" dirty="0" err="1"/>
-              <a:t>Modelle</a:t>
-            </a:r>
-            <a:endParaRPr lang="en-US" dirty="0"/>
-          </a:p>
-          <a:p>
-            <a:pPr lvl="2"/>
-            <a:r>
-              <a:rPr lang="en-US" dirty="0"/>
-              <a:t>Importer, Exporter </a:t>
-            </a:r>
-          </a:p>
-          <a:p>
-            <a:pPr lvl="2"/>
-            <a:r>
-              <a:rPr lang="en-US" dirty="0" err="1"/>
-              <a:t>Dokumentation</a:t>
-            </a:r>
-            <a:r>
-              <a:rPr lang="en-US" dirty="0"/>
-              <a:t> </a:t>
-            </a:r>
-            <a:r>
-              <a:rPr lang="en-US" dirty="0" err="1"/>
-              <a:t>für</a:t>
-            </a:r>
-            <a:r>
-              <a:rPr lang="en-US" dirty="0"/>
-              <a:t> die DB Interface</a:t>
-            </a:r>
-          </a:p>
-          <a:p>
-            <a:pPr lvl="2"/>
-            <a:endParaRPr lang="en-US" dirty="0"/>
-          </a:p>
-          <a:p>
-            <a:pPr lvl="1"/>
-            <a:r>
-              <a:rPr lang="en-US" b="1" dirty="0"/>
-              <a:t>Sprint 4:</a:t>
-            </a:r>
-          </a:p>
-          <a:p>
-            <a:pPr lvl="2"/>
-            <a:r>
-              <a:rPr lang="en-US" dirty="0" err="1"/>
-              <a:t>Datenmodelle</a:t>
-            </a:r>
-            <a:r>
-              <a:rPr lang="en-US" dirty="0"/>
-              <a:t> </a:t>
-            </a:r>
-            <a:r>
-              <a:rPr lang="en-US" dirty="0" err="1"/>
-              <a:t>optimieren</a:t>
-            </a:r>
-            <a:endParaRPr lang="en-US" dirty="0"/>
-          </a:p>
-          <a:p>
-            <a:pPr lvl="2"/>
-            <a:r>
-              <a:rPr lang="en-US" dirty="0"/>
-              <a:t>Error Handling</a:t>
-            </a:r>
-          </a:p>
-          <a:p>
-            <a:pPr lvl="2"/>
-            <a:r>
-              <a:rPr lang="en-US" dirty="0" err="1"/>
-              <a:t>Sicherheit</a:t>
-            </a:r>
-            <a:endParaRPr lang="en-US" dirty="0"/>
-          </a:p>
-          <a:p>
-            <a:pPr lvl="2"/>
-            <a:r>
-              <a:rPr lang="en-US" dirty="0" err="1"/>
-              <a:t>Dokumentation</a:t>
-            </a:r>
-            <a:endParaRPr lang="en-US" dirty="0"/>
-          </a:p>
-        </p:txBody>
-      </p:sp>
-      <p:sp>
-        <p:nvSpPr>
-          <p:cNvPr id="3" name="Footer Placeholder 2"/>
-          <p:cNvSpPr>
-            <a:spLocks noGrp="1"/>
-          </p:cNvSpPr>
-          <p:nvPr>
-            <p:ph type="ftr" sz="quarter" idx="13"/>
-          </p:nvPr>
-        </p:nvSpPr>
-        <p:spPr/>
-        <p:txBody>
-          <a:bodyPr/>
-          <a:lstStyle/>
-          <a:p>
-            <a:endParaRPr lang="de-DE" dirty="0"/>
-          </a:p>
-        </p:txBody>
-      </p:sp>
-      <p:sp>
-        <p:nvSpPr>
-          <p:cNvPr id="4" name="Slide Number Placeholder 3"/>
-          <p:cNvSpPr>
-            <a:spLocks noGrp="1"/>
-          </p:cNvSpPr>
-          <p:nvPr>
-            <p:ph type="sldNum" sz="quarter" idx="14"/>
-          </p:nvPr>
-        </p:nvSpPr>
-        <p:spPr/>
-        <p:txBody>
-          <a:bodyPr/>
-          <a:lstStyle/>
-          <a:p>
-            <a:fld id="{4506F84E-75D2-4715-B6C6-C971E49CE21A}" type="slidenum">
-              <a:rPr lang="de-DE" smtClean="0"/>
-              <a:pPr/>
-              <a:t>6</a:t>
-            </a:fld>
-            <a:endParaRPr lang="de-DE" dirty="0"/>
+              <a:t>)</a:t>
+            </a:r>
           </a:p>
         </p:txBody>
       </p:sp>
     </p:spTree>
     <p:extLst>
       <p:ext uri="{BB962C8B-B14F-4D97-AF65-F5344CB8AC3E}">
-        <p14:creationId xmlns:p14="http://schemas.microsoft.com/office/powerpoint/2010/main" val="361520676"/>
+        <p14:creationId xmlns:p14="http://schemas.microsoft.com/office/powerpoint/2010/main" val="3331473797"/>
       </p:ext>
     </p:extLst>
   </p:cSld>
@@ -5462,6 +5496,247 @@
       </p:grpSpPr>
       <p:sp>
         <p:nvSpPr>
+          <p:cNvPr id="5" name="Title 4"/>
+          <p:cNvSpPr>
+            <a:spLocks noGrp="1"/>
+          </p:cNvSpPr>
+          <p:nvPr>
+            <p:ph type="title"/>
+          </p:nvPr>
+        </p:nvSpPr>
+        <p:spPr/>
+        <p:txBody>
+          <a:bodyPr/>
+          <a:lstStyle/>
+          <a:p>
+            <a:r>
+              <a:rPr lang="en-US" dirty="0"/>
+              <a:t>Backend Microservices </a:t>
+            </a:r>
+          </a:p>
+        </p:txBody>
+      </p:sp>
+      <p:sp>
+        <p:nvSpPr>
+          <p:cNvPr id="6" name="Content Placeholder 5"/>
+          <p:cNvSpPr>
+            <a:spLocks noGrp="1"/>
+          </p:cNvSpPr>
+          <p:nvPr>
+            <p:ph sz="quarter" idx="12"/>
+          </p:nvPr>
+        </p:nvSpPr>
+        <p:spPr/>
+        <p:txBody>
+          <a:bodyPr/>
+          <a:lstStyle/>
+          <a:p>
+            <a:pPr lvl="1"/>
+            <a:r>
+              <a:rPr lang="en-US" b="1" dirty="0"/>
+              <a:t>Sprint 3:</a:t>
+            </a:r>
+          </a:p>
+          <a:p>
+            <a:pPr lvl="2"/>
+            <a:r>
+              <a:rPr lang="en-US" dirty="0" err="1"/>
+              <a:t>Datenmodelle</a:t>
+            </a:r>
+            <a:r>
+              <a:rPr lang="en-US" dirty="0"/>
+              <a:t> </a:t>
+            </a:r>
+            <a:r>
+              <a:rPr lang="en-US" dirty="0" err="1"/>
+              <a:t>mit</a:t>
+            </a:r>
+            <a:r>
+              <a:rPr lang="en-US" dirty="0"/>
+              <a:t> Hibernate</a:t>
+            </a:r>
+          </a:p>
+          <a:p>
+            <a:pPr lvl="2"/>
+            <a:r>
+              <a:rPr lang="en-US" dirty="0"/>
+              <a:t>Controllers </a:t>
+            </a:r>
+            <a:r>
+              <a:rPr lang="en-US" dirty="0" err="1"/>
+              <a:t>für</a:t>
+            </a:r>
+            <a:r>
+              <a:rPr lang="en-US" dirty="0"/>
+              <a:t> die </a:t>
+            </a:r>
+            <a:r>
+              <a:rPr lang="en-US" dirty="0" err="1"/>
+              <a:t>Datenbank</a:t>
+            </a:r>
+            <a:r>
+              <a:rPr lang="en-US" dirty="0"/>
+              <a:t> </a:t>
+            </a:r>
+            <a:r>
+              <a:rPr lang="en-US" dirty="0" err="1"/>
+              <a:t>Modelle</a:t>
+            </a:r>
+            <a:endParaRPr lang="en-US" dirty="0"/>
+          </a:p>
+          <a:p>
+            <a:pPr lvl="2"/>
+            <a:r>
+              <a:rPr lang="en-US" dirty="0"/>
+              <a:t>Importer, Exporter </a:t>
+            </a:r>
+          </a:p>
+          <a:p>
+            <a:pPr lvl="2"/>
+            <a:r>
+              <a:rPr lang="en-US" dirty="0" err="1"/>
+              <a:t>Dokumentation</a:t>
+            </a:r>
+            <a:r>
+              <a:rPr lang="en-US" dirty="0"/>
+              <a:t> </a:t>
+            </a:r>
+            <a:r>
+              <a:rPr lang="en-US" dirty="0" err="1"/>
+              <a:t>für</a:t>
+            </a:r>
+            <a:r>
+              <a:rPr lang="en-US" dirty="0"/>
+              <a:t> die DB Interface</a:t>
+            </a:r>
+          </a:p>
+          <a:p>
+            <a:pPr lvl="2"/>
+            <a:endParaRPr lang="en-US" dirty="0"/>
+          </a:p>
+          <a:p>
+            <a:pPr lvl="1"/>
+            <a:r>
+              <a:rPr lang="en-US" b="1" dirty="0"/>
+              <a:t>Sprint 4:</a:t>
+            </a:r>
+          </a:p>
+          <a:p>
+            <a:pPr lvl="2"/>
+            <a:r>
+              <a:rPr lang="en-US" dirty="0" err="1"/>
+              <a:t>Datenmodelle</a:t>
+            </a:r>
+            <a:r>
+              <a:rPr lang="en-US" dirty="0"/>
+              <a:t> </a:t>
+            </a:r>
+            <a:r>
+              <a:rPr lang="en-US" dirty="0" err="1"/>
+              <a:t>optimieren</a:t>
+            </a:r>
+            <a:endParaRPr lang="en-US" dirty="0"/>
+          </a:p>
+          <a:p>
+            <a:pPr lvl="2"/>
+            <a:r>
+              <a:rPr lang="en-US" dirty="0"/>
+              <a:t>Error Handling</a:t>
+            </a:r>
+          </a:p>
+          <a:p>
+            <a:pPr lvl="2"/>
+            <a:r>
+              <a:rPr lang="en-US" dirty="0" err="1"/>
+              <a:t>Sicherheit</a:t>
+            </a:r>
+            <a:endParaRPr lang="en-US" dirty="0"/>
+          </a:p>
+          <a:p>
+            <a:pPr lvl="2"/>
+            <a:r>
+              <a:rPr lang="en-US" dirty="0" err="1"/>
+              <a:t>Dokumentation</a:t>
+            </a:r>
+            <a:endParaRPr lang="en-US" dirty="0"/>
+          </a:p>
+        </p:txBody>
+      </p:sp>
+      <p:sp>
+        <p:nvSpPr>
+          <p:cNvPr id="3" name="Footer Placeholder 2"/>
+          <p:cNvSpPr>
+            <a:spLocks noGrp="1"/>
+          </p:cNvSpPr>
+          <p:nvPr>
+            <p:ph type="ftr" sz="quarter" idx="13"/>
+          </p:nvPr>
+        </p:nvSpPr>
+        <p:spPr/>
+        <p:txBody>
+          <a:bodyPr/>
+          <a:lstStyle/>
+          <a:p>
+            <a:endParaRPr lang="de-DE" dirty="0"/>
+          </a:p>
+        </p:txBody>
+      </p:sp>
+      <p:sp>
+        <p:nvSpPr>
+          <p:cNvPr id="4" name="Slide Number Placeholder 3"/>
+          <p:cNvSpPr>
+            <a:spLocks noGrp="1"/>
+          </p:cNvSpPr>
+          <p:nvPr>
+            <p:ph type="sldNum" sz="quarter" idx="14"/>
+          </p:nvPr>
+        </p:nvSpPr>
+        <p:spPr/>
+        <p:txBody>
+          <a:bodyPr/>
+          <a:lstStyle/>
+          <a:p>
+            <a:fld id="{4506F84E-75D2-4715-B6C6-C971E49CE21A}" type="slidenum">
+              <a:rPr lang="de-DE" smtClean="0"/>
+              <a:pPr/>
+              <a:t>7</a:t>
+            </a:fld>
+            <a:endParaRPr lang="de-DE" dirty="0"/>
+          </a:p>
+        </p:txBody>
+      </p:sp>
+    </p:spTree>
+    <p:extLst>
+      <p:ext uri="{BB962C8B-B14F-4D97-AF65-F5344CB8AC3E}">
+        <p14:creationId xmlns:p14="http://schemas.microsoft.com/office/powerpoint/2010/main" val="361520676"/>
+      </p:ext>
+    </p:extLst>
+  </p:cSld>
+  <p:clrMapOvr>
+    <a:masterClrMapping/>
+  </p:clrMapOvr>
+</p:sld>
+</file>
+
+<file path=ppt/slides/slide8.xml><?xml version="1.0" encoding="utf-8"?>
+<p:sld xmlns:a="http://schemas.openxmlformats.org/drawingml/2006/main" xmlns:r="http://schemas.openxmlformats.org/officeDocument/2006/relationships" xmlns:p="http://schemas.openxmlformats.org/presentationml/2006/main">
+  <p:cSld>
+    <p:spTree>
+      <p:nvGrpSpPr>
+        <p:cNvPr id="1" name=""/>
+        <p:cNvGrpSpPr/>
+        <p:nvPr/>
+      </p:nvGrpSpPr>
+      <p:grpSpPr>
+        <a:xfrm>
+          <a:off x="0" y="0"/>
+          <a:ext cx="0" cy="0"/>
+          <a:chOff x="0" y="0"/>
+          <a:chExt cx="0" cy="0"/>
+        </a:xfrm>
+      </p:grpSpPr>
+      <p:sp>
+        <p:nvSpPr>
           <p:cNvPr id="2" name="Titel 1"/>
           <p:cNvSpPr>
             <a:spLocks noGrp="1"/>
@@ -5500,7 +5775,7 @@
 </p:sld>
 </file>
 
-<file path=ppt/slides/slide8.xml><?xml version="1.0" encoding="utf-8"?>
+<file path=ppt/slides/slide9.xml><?xml version="1.0" encoding="utf-8"?>
 <p:sld xmlns:a="http://schemas.openxmlformats.org/drawingml/2006/main" xmlns:r="http://schemas.openxmlformats.org/officeDocument/2006/relationships" xmlns:p="http://schemas.openxmlformats.org/presentationml/2006/main">
   <p:cSld>
     <p:spTree>

--- a/orga/Sprint_3_Presentation.pptx
+++ b/orga/Sprint_3_Presentation.pptx
@@ -298,7 +298,7 @@
               <a:pPr>
                 <a:defRPr/>
               </a:pPr>
-              <a:t>31.05.2017</a:t>
+              <a:t>01.06.2017</a:t>
             </a:fld>
             <a:endParaRPr lang="de-DE" sz="1000" dirty="0">
               <a:latin typeface="Arial" pitchFamily="34" charset="0"/>
@@ -527,7 +527,7 @@
               <a:pPr>
                 <a:defRPr/>
               </a:pPr>
-              <a:t>31.05.2017</a:t>
+              <a:t>01.06.2017</a:t>
             </a:fld>
             <a:endParaRPr lang="de-DE" dirty="0"/>
           </a:p>
@@ -3970,6 +3970,95 @@
         </p:spPr>
         <p:style>
           <a:lnRef idx="1">
+            <a:schemeClr val="accent6"/>
+          </a:lnRef>
+          <a:fillRef idx="2">
+            <a:schemeClr val="accent6"/>
+          </a:fillRef>
+          <a:effectRef idx="1">
+            <a:schemeClr val="accent6"/>
+          </a:effectRef>
+          <a:fontRef idx="minor">
+            <a:schemeClr val="dk1"/>
+          </a:fontRef>
+        </p:style>
+        <p:txBody>
+          <a:bodyPr rot="0" spcFirstLastPara="0" vertOverflow="overflow" horzOverflow="overflow" vert="horz" wrap="square" lIns="91440" tIns="45720" rIns="91440" bIns="45720" numCol="1" spcCol="0" rtlCol="0" fromWordArt="0" anchor="ctr" anchorCtr="0" forceAA="0" compatLnSpc="1">
+            <a:prstTxWarp prst="textNoShape">
+              <a:avLst/>
+            </a:prstTxWarp>
+            <a:noAutofit/>
+          </a:bodyPr>
+          <a:lstStyle/>
+          <a:p>
+            <a:pPr algn="ctr"/>
+            <a:r>
+              <a:rPr lang="en-US" sz="1600" dirty="0">
+                <a:solidFill>
+                  <a:schemeClr val="tx1"/>
+                </a:solidFill>
+                <a:latin typeface="Calibri Light" panose="020F0302020204030204" pitchFamily="34" charset="0"/>
+                <a:cs typeface="Arial" panose="020B0604020202020204" pitchFamily="34" charset="0"/>
+              </a:rPr>
+              <a:t>Front-End</a:t>
+            </a:r>
+          </a:p>
+          <a:p>
+            <a:pPr algn="ctr"/>
+            <a:r>
+              <a:rPr lang="en-US" sz="1600" dirty="0">
+                <a:solidFill>
+                  <a:schemeClr val="tx1"/>
+                </a:solidFill>
+                <a:latin typeface="Calibri Light" panose="020F0302020204030204" pitchFamily="34" charset="0"/>
+                <a:cs typeface="Arial" panose="020B0604020202020204" pitchFamily="34" charset="0"/>
+              </a:rPr>
+              <a:t>Angular </a:t>
+            </a:r>
+            <a:r>
+              <a:rPr lang="en-US" sz="1600" dirty="0" err="1">
+                <a:solidFill>
+                  <a:schemeClr val="tx1"/>
+                </a:solidFill>
+                <a:latin typeface="Calibri Light" panose="020F0302020204030204" pitchFamily="34" charset="0"/>
+                <a:cs typeface="Arial" panose="020B0604020202020204" pitchFamily="34" charset="0"/>
+              </a:rPr>
+              <a:t>Js</a:t>
+            </a:r>
+            <a:r>
+              <a:rPr lang="en-US" sz="1600" dirty="0">
+                <a:solidFill>
+                  <a:schemeClr val="tx1"/>
+                </a:solidFill>
+                <a:latin typeface="Calibri Light" panose="020F0302020204030204" pitchFamily="34" charset="0"/>
+                <a:cs typeface="Arial" panose="020B0604020202020204" pitchFamily="34" charset="0"/>
+              </a:rPr>
+              <a:t> 4.0</a:t>
+            </a:r>
+          </a:p>
+        </p:txBody>
+      </p:sp>
+      <p:sp>
+        <p:nvSpPr>
+          <p:cNvPr id="3" name="Правоъгълник 2"/>
+          <p:cNvSpPr/>
+          <p:nvPr/>
+        </p:nvSpPr>
+        <p:spPr bwMode="auto">
+          <a:xfrm>
+            <a:off x="5033402" y="1494897"/>
+            <a:ext cx="2027582" cy="589564"/>
+          </a:xfrm>
+          <a:prstGeom prst="rect">
+            <a:avLst/>
+          </a:prstGeom>
+          <a:ln>
+            <a:headEnd/>
+            <a:tailEnd/>
+          </a:ln>
+        </p:spPr>
+        <p:style>
+          <a:lnRef idx="1">
             <a:schemeClr val="accent3"/>
           </a:lnRef>
           <a:fillRef idx="2">
@@ -4000,7 +4089,7 @@
                 <a:latin typeface="Calibri Light" panose="020F0302020204030204" pitchFamily="34" charset="0"/>
                 <a:cs typeface="Arial" panose="020B0604020202020204" pitchFamily="34" charset="0"/>
               </a:rPr>
-              <a:t>Front-End</a:t>
+              <a:t>API</a:t>
             </a:r>
           </a:p>
           <a:p>
@@ -4013,18 +4102,54 @@
                 <a:latin typeface="Calibri Light" panose="020F0302020204030204" pitchFamily="34" charset="0"/>
                 <a:cs typeface="Arial" panose="020B0604020202020204" pitchFamily="34" charset="0"/>
               </a:rPr>
-              <a:t>Angular </a:t>
-            </a:r>
-            <a:r>
-              <a:rPr lang="en-US" sz="1600" dirty="0" err="1">
-                <a:solidFill>
-                  <a:schemeClr val="tx1"/>
-                </a:solidFill>
-                <a:latin typeface="Calibri Light" panose="020F0302020204030204" pitchFamily="34" charset="0"/>
-                <a:cs typeface="Arial" panose="020B0604020202020204" pitchFamily="34" charset="0"/>
-              </a:rPr>
-              <a:t>Js</a:t>
-            </a:r>
+              <a:t>Python (Flask)</a:t>
+            </a:r>
+          </a:p>
+        </p:txBody>
+      </p:sp>
+      <p:sp>
+        <p:nvSpPr>
+          <p:cNvPr id="4" name="Правоъгълник 3"/>
+          <p:cNvSpPr/>
+          <p:nvPr/>
+        </p:nvSpPr>
+        <p:spPr bwMode="auto">
+          <a:xfrm>
+            <a:off x="525364" y="2858205"/>
+            <a:ext cx="2027582" cy="735649"/>
+          </a:xfrm>
+          <a:prstGeom prst="rect">
+            <a:avLst/>
+          </a:prstGeom>
+          <a:ln>
+            <a:headEnd/>
+            <a:tailEnd/>
+          </a:ln>
+        </p:spPr>
+        <p:style>
+          <a:lnRef idx="1">
+            <a:schemeClr val="accent5"/>
+          </a:lnRef>
+          <a:fillRef idx="3">
+            <a:schemeClr val="accent5"/>
+          </a:fillRef>
+          <a:effectRef idx="2">
+            <a:schemeClr val="accent5"/>
+          </a:effectRef>
+          <a:fontRef idx="minor">
+            <a:schemeClr val="lt1"/>
+          </a:fontRef>
+        </p:style>
+        <p:txBody>
+          <a:bodyPr rot="0" spcFirstLastPara="0" vertOverflow="overflow" horzOverflow="overflow" vert="horz" wrap="square" lIns="91440" tIns="45720" rIns="91440" bIns="45720" numCol="1" spcCol="0" rtlCol="0" fromWordArt="0" anchor="ctr" anchorCtr="0" forceAA="0" compatLnSpc="1">
+            <a:prstTxWarp prst="textNoShape">
+              <a:avLst/>
+            </a:prstTxWarp>
+            <a:noAutofit/>
+          </a:bodyPr>
+          <a:lstStyle/>
+          <a:p>
+            <a:pPr algn="ctr"/>
             <a:r>
               <a:rPr lang="en-US" sz="1600" dirty="0">
                 <a:solidFill>
@@ -4033,21 +4158,47 @@
                 <a:latin typeface="Calibri Light" panose="020F0302020204030204" pitchFamily="34" charset="0"/>
                 <a:cs typeface="Arial" panose="020B0604020202020204" pitchFamily="34" charset="0"/>
               </a:rPr>
-              <a:t> 4.0</a:t>
-            </a:r>
-          </a:p>
-        </p:txBody>
-      </p:sp>
-      <p:sp>
-        <p:nvSpPr>
-          <p:cNvPr id="3" name="Правоъгълник 2"/>
+              <a:t>Exporter</a:t>
+            </a:r>
+          </a:p>
+          <a:p>
+            <a:pPr algn="ctr"/>
+            <a:r>
+              <a:rPr lang="en-US" sz="1600" dirty="0">
+                <a:solidFill>
+                  <a:schemeClr val="tx1"/>
+                </a:solidFill>
+                <a:latin typeface="Calibri Light" panose="020F0302020204030204" pitchFamily="34" charset="0"/>
+                <a:cs typeface="Arial" panose="020B0604020202020204" pitchFamily="34" charset="0"/>
+              </a:rPr>
+              <a:t>Spring Boot</a:t>
+            </a:r>
+          </a:p>
+          <a:p>
+            <a:pPr algn="ctr"/>
+            <a:r>
+              <a:rPr lang="en-US" sz="1600" dirty="0">
+                <a:solidFill>
+                  <a:schemeClr val="tx1"/>
+                </a:solidFill>
+                <a:latin typeface="Calibri Light" panose="020F0302020204030204" pitchFamily="34" charset="0"/>
+                <a:cs typeface="Arial" panose="020B0604020202020204" pitchFamily="34" charset="0"/>
+              </a:rPr>
+              <a:t>&lt;&lt;Micro-Service&gt;&gt;</a:t>
+            </a:r>
+          </a:p>
+        </p:txBody>
+      </p:sp>
+      <p:sp>
+        <p:nvSpPr>
+          <p:cNvPr id="5" name="Правоъгълник 4"/>
           <p:cNvSpPr/>
           <p:nvPr/>
         </p:nvSpPr>
         <p:spPr bwMode="auto">
           <a:xfrm>
-            <a:off x="5033402" y="1494897"/>
-            <a:ext cx="2027582" cy="589564"/>
+            <a:off x="5035699" y="4478756"/>
+            <a:ext cx="2027582" cy="735649"/>
           </a:xfrm>
           <a:prstGeom prst="rect">
             <a:avLst/>
@@ -4089,76 +4240,7 @@
                 <a:latin typeface="Calibri Light" panose="020F0302020204030204" pitchFamily="34" charset="0"/>
                 <a:cs typeface="Arial" panose="020B0604020202020204" pitchFamily="34" charset="0"/>
               </a:rPr>
-              <a:t>API</a:t>
-            </a:r>
-          </a:p>
-          <a:p>
-            <a:pPr algn="ctr"/>
-            <a:r>
-              <a:rPr lang="en-US" sz="1600" dirty="0">
-                <a:solidFill>
-                  <a:schemeClr val="tx1"/>
-                </a:solidFill>
-                <a:latin typeface="Calibri Light" panose="020F0302020204030204" pitchFamily="34" charset="0"/>
-                <a:cs typeface="Arial" panose="020B0604020202020204" pitchFamily="34" charset="0"/>
-              </a:rPr>
-              <a:t>Python (Flask)</a:t>
-            </a:r>
-          </a:p>
-        </p:txBody>
-      </p:sp>
-      <p:sp>
-        <p:nvSpPr>
-          <p:cNvPr id="4" name="Правоъгълник 3"/>
-          <p:cNvSpPr/>
-          <p:nvPr/>
-        </p:nvSpPr>
-        <p:spPr bwMode="auto">
-          <a:xfrm>
-            <a:off x="525364" y="2858205"/>
-            <a:ext cx="2027582" cy="735649"/>
-          </a:xfrm>
-          <a:prstGeom prst="rect">
-            <a:avLst/>
-          </a:prstGeom>
-          <a:ln>
-            <a:headEnd/>
-            <a:tailEnd/>
-          </a:ln>
-        </p:spPr>
-        <p:style>
-          <a:lnRef idx="1">
-            <a:schemeClr val="accent6"/>
-          </a:lnRef>
-          <a:fillRef idx="2">
-            <a:schemeClr val="accent6"/>
-          </a:fillRef>
-          <a:effectRef idx="1">
-            <a:schemeClr val="accent6"/>
-          </a:effectRef>
-          <a:fontRef idx="minor">
-            <a:schemeClr val="dk1"/>
-          </a:fontRef>
-        </p:style>
-        <p:txBody>
-          <a:bodyPr rot="0" spcFirstLastPara="0" vertOverflow="overflow" horzOverflow="overflow" vert="horz" wrap="square" lIns="91440" tIns="45720" rIns="91440" bIns="45720" numCol="1" spcCol="0" rtlCol="0" fromWordArt="0" anchor="ctr" anchorCtr="0" forceAA="0" compatLnSpc="1">
-            <a:prstTxWarp prst="textNoShape">
-              <a:avLst/>
-            </a:prstTxWarp>
-            <a:noAutofit/>
-          </a:bodyPr>
-          <a:lstStyle/>
-          <a:p>
-            <a:pPr algn="ctr"/>
-            <a:r>
-              <a:rPr lang="en-US" sz="1600" dirty="0">
-                <a:solidFill>
-                  <a:schemeClr val="tx1"/>
-                </a:solidFill>
-                <a:latin typeface="Calibri Light" panose="020F0302020204030204" pitchFamily="34" charset="0"/>
-                <a:cs typeface="Arial" panose="020B0604020202020204" pitchFamily="34" charset="0"/>
-              </a:rPr>
-              <a:t>Exporter</a:t>
+              <a:t>DB Interface</a:t>
             </a:r>
           </a:p>
           <a:p>
@@ -4191,88 +4273,6 @@
       </p:sp>
       <p:sp>
         <p:nvSpPr>
-          <p:cNvPr id="5" name="Правоъгълник 4"/>
-          <p:cNvSpPr/>
-          <p:nvPr/>
-        </p:nvSpPr>
-        <p:spPr bwMode="auto">
-          <a:xfrm>
-            <a:off x="5035699" y="4478756"/>
-            <a:ext cx="2027582" cy="735649"/>
-          </a:xfrm>
-          <a:prstGeom prst="rect">
-            <a:avLst/>
-          </a:prstGeom>
-          <a:ln>
-            <a:headEnd/>
-            <a:tailEnd/>
-          </a:ln>
-        </p:spPr>
-        <p:style>
-          <a:lnRef idx="1">
-            <a:schemeClr val="accent6"/>
-          </a:lnRef>
-          <a:fillRef idx="2">
-            <a:schemeClr val="accent6"/>
-          </a:fillRef>
-          <a:effectRef idx="1">
-            <a:schemeClr val="accent6"/>
-          </a:effectRef>
-          <a:fontRef idx="minor">
-            <a:schemeClr val="dk1"/>
-          </a:fontRef>
-        </p:style>
-        <p:txBody>
-          <a:bodyPr rot="0" spcFirstLastPara="0" vertOverflow="overflow" horzOverflow="overflow" vert="horz" wrap="square" lIns="91440" tIns="45720" rIns="91440" bIns="45720" numCol="1" spcCol="0" rtlCol="0" fromWordArt="0" anchor="ctr" anchorCtr="0" forceAA="0" compatLnSpc="1">
-            <a:prstTxWarp prst="textNoShape">
-              <a:avLst/>
-            </a:prstTxWarp>
-            <a:noAutofit/>
-          </a:bodyPr>
-          <a:lstStyle/>
-          <a:p>
-            <a:pPr algn="ctr"/>
-            <a:r>
-              <a:rPr lang="en-US" sz="1600" dirty="0">
-                <a:solidFill>
-                  <a:schemeClr val="tx1"/>
-                </a:solidFill>
-                <a:latin typeface="Calibri Light" panose="020F0302020204030204" pitchFamily="34" charset="0"/>
-                <a:cs typeface="Arial" panose="020B0604020202020204" pitchFamily="34" charset="0"/>
-              </a:rPr>
-              <a:t>DB Interface</a:t>
-            </a:r>
-          </a:p>
-          <a:p>
-            <a:pPr algn="ctr"/>
-            <a:r>
-              <a:rPr lang="en-US" sz="1600" dirty="0">
-                <a:solidFill>
-                  <a:schemeClr val="tx1"/>
-                </a:solidFill>
-                <a:latin typeface="Calibri Light" panose="020F0302020204030204" pitchFamily="34" charset="0"/>
-                <a:cs typeface="Arial" panose="020B0604020202020204" pitchFamily="34" charset="0"/>
-              </a:rPr>
-              <a:t>Spring Boot</a:t>
-            </a:r>
-          </a:p>
-          <a:p>
-            <a:pPr algn="ctr"/>
-            <a:r>
-              <a:rPr lang="en-US" sz="1600" dirty="0">
-                <a:solidFill>
-                  <a:schemeClr val="tx1"/>
-                </a:solidFill>
-                <a:latin typeface="Calibri Light" panose="020F0302020204030204" pitchFamily="34" charset="0"/>
-                <a:cs typeface="Arial" panose="020B0604020202020204" pitchFamily="34" charset="0"/>
-              </a:rPr>
-              <a:t>&lt;&lt;Micro-Service&gt;&gt;</a:t>
-            </a:r>
-          </a:p>
-        </p:txBody>
-      </p:sp>
-      <p:sp>
-        <p:nvSpPr>
           <p:cNvPr id="6" name="Правоъгълник 5"/>
           <p:cNvSpPr/>
           <p:nvPr/>
@@ -4285,20 +4285,26 @@
           <a:prstGeom prst="rect">
             <a:avLst/>
           </a:prstGeom>
-          <a:ln>
-            <a:headEnd/>
-            <a:tailEnd/>
+          <a:noFill/>
+          <a:ln w="9525" cap="flat" cmpd="sng" algn="ctr">
+            <a:solidFill>
+              <a:schemeClr val="dk1"/>
+            </a:solidFill>
+            <a:prstDash val="solid"/>
+            <a:round/>
+            <a:headEnd type="none" w="med" len="med"/>
+            <a:tailEnd type="none" w="med" len="med"/>
           </a:ln>
         </p:spPr>
         <p:style>
-          <a:lnRef idx="1">
-            <a:schemeClr val="accent6"/>
+          <a:lnRef idx="0">
+            <a:scrgbClr r="0" g="0" b="0"/>
           </a:lnRef>
-          <a:fillRef idx="2">
-            <a:schemeClr val="accent6"/>
+          <a:fillRef idx="0">
+            <a:scrgbClr r="0" g="0" b="0"/>
           </a:fillRef>
-          <a:effectRef idx="1">
-            <a:schemeClr val="accent6"/>
+          <a:effectRef idx="0">
+            <a:scrgbClr r="0" g="0" b="0"/>
           </a:effectRef>
           <a:fontRef idx="minor">
             <a:schemeClr val="dk1"/>
@@ -4430,13 +4436,13 @@
         </p:spPr>
         <p:style>
           <a:lnRef idx="1">
-            <a:schemeClr val="accent6"/>
+            <a:schemeClr val="accent4"/>
           </a:lnRef>
           <a:fillRef idx="2">
-            <a:schemeClr val="accent6"/>
+            <a:schemeClr val="accent4"/>
           </a:fillRef>
           <a:effectRef idx="1">
-            <a:schemeClr val="accent6"/>
+            <a:schemeClr val="accent4"/>
           </a:effectRef>
           <a:fontRef idx="minor">
             <a:schemeClr val="dk1"/>
@@ -4953,6 +4959,82 @@
           </a:p>
         </p:txBody>
       </p:sp>
+      <p:cxnSp>
+        <p:nvCxnSpPr>
+          <p:cNvPr id="13" name="Straight Arrow Connector 12"/>
+          <p:cNvCxnSpPr>
+            <a:stCxn id="4" idx="2"/>
+            <a:endCxn id="5" idx="1"/>
+          </p:cNvCxnSpPr>
+          <p:nvPr/>
+        </p:nvCxnSpPr>
+        <p:spPr bwMode="auto">
+          <a:xfrm>
+            <a:off x="1539155" y="3593854"/>
+            <a:ext cx="3496544" cy="1252727"/>
+          </a:xfrm>
+          <a:prstGeom prst="straightConnector1">
+            <a:avLst/>
+          </a:prstGeom>
+          <a:ln w="19050">
+            <a:solidFill>
+              <a:schemeClr val="tx1"/>
+            </a:solidFill>
+            <a:headEnd type="triangle"/>
+            <a:tailEnd type="triangle"/>
+          </a:ln>
+        </p:spPr>
+        <p:style>
+          <a:lnRef idx="1">
+            <a:schemeClr val="accent1"/>
+          </a:lnRef>
+          <a:fillRef idx="0">
+            <a:schemeClr val="accent1"/>
+          </a:fillRef>
+          <a:effectRef idx="0">
+            <a:schemeClr val="accent1"/>
+          </a:effectRef>
+          <a:fontRef idx="minor">
+            <a:schemeClr val="tx1"/>
+          </a:fontRef>
+        </p:style>
+      </p:cxnSp>
+      <p:sp>
+        <p:nvSpPr>
+          <p:cNvPr id="25" name="Текстово поле 39"/>
+          <p:cNvSpPr txBox="1"/>
+          <p:nvPr/>
+        </p:nvSpPr>
+        <p:spPr>
+          <a:xfrm>
+            <a:off x="2403969" y="3723762"/>
+            <a:ext cx="2186609" cy="400110"/>
+          </a:xfrm>
+          <a:prstGeom prst="rect">
+            <a:avLst/>
+          </a:prstGeom>
+          <a:noFill/>
+        </p:spPr>
+        <p:txBody>
+          <a:bodyPr wrap="square" rtlCol="0" anchor="ctr">
+            <a:spAutoFit/>
+          </a:bodyPr>
+          <a:lstStyle/>
+          <a:p>
+            <a:pPr algn="ctr"/>
+            <a:r>
+              <a:rPr lang="en-US" sz="2000" dirty="0">
+                <a:solidFill>
+                  <a:schemeClr val="tx1"/>
+                </a:solidFill>
+                <a:latin typeface="Calibri Light" panose="020F0302020204030204" pitchFamily="34" charset="0"/>
+                <a:cs typeface="Arial" panose="020B0604020202020204" pitchFamily="34" charset="0"/>
+              </a:rPr>
+              <a:t>JSON / REST</a:t>
+            </a:r>
+          </a:p>
+        </p:txBody>
+      </p:sp>
     </p:spTree>
     <p:extLst>
       <p:ext uri="{BB962C8B-B14F-4D97-AF65-F5344CB8AC3E}">
@@ -5275,7 +5357,9 @@
         </p:nvSpPr>
         <p:spPr/>
         <p:txBody>
-          <a:bodyPr/>
+          <a:bodyPr>
+            <a:normAutofit/>
+          </a:bodyPr>
           <a:lstStyle/>
           <a:p>
             <a:pPr marL="457200" indent="-457200">
@@ -5283,7 +5367,7 @@
               <a:buChar char="•"/>
             </a:pPr>
             <a:r>
-              <a:rPr lang="de-DE" dirty="0"/>
+              <a:rPr lang="de-DE" sz="2000" dirty="0"/>
               <a:t>Code hinter Endpunkten geschrieben</a:t>
             </a:r>
           </a:p>
@@ -5293,15 +5377,15 @@
               <a:buChar char="•"/>
             </a:pPr>
             <a:r>
-              <a:rPr lang="de-DE" dirty="0"/>
+              <a:rPr lang="de-DE" sz="2000" dirty="0"/>
               <a:t>Anbindung an </a:t>
             </a:r>
             <a:r>
-              <a:rPr lang="de-DE" dirty="0" err="1"/>
+              <a:rPr lang="de-DE" sz="2000" dirty="0" err="1"/>
               <a:t>Kaloyans</a:t>
             </a:r>
             <a:r>
-              <a:rPr lang="de-DE" dirty="0"/>
+              <a:rPr lang="de-DE" sz="2000" dirty="0"/>
               <a:t> Service</a:t>
             </a:r>
           </a:p>
@@ -5311,16 +5395,18 @@
               <a:buChar char="•"/>
             </a:pPr>
             <a:r>
-              <a:rPr lang="de-DE" dirty="0"/>
-              <a:t>Page zum Testen von /</a:t>
-            </a:r>
-            <a:r>
-              <a:rPr lang="de-DE" dirty="0" err="1"/>
-              <a:t>records</a:t>
-            </a:r>
-            <a:r>
-              <a:rPr lang="de-DE" dirty="0"/>
-              <a:t> </a:t>
+              <a:rPr lang="de-DE" sz="2000" dirty="0"/>
+              <a:t>Page zum Testen von /records </a:t>
+            </a:r>
+          </a:p>
+          <a:p>
+            <a:pPr marL="457200" indent="-457200">
+              <a:buFont typeface="Arial" panose="020B0604020202020204" pitchFamily="34" charset="0"/>
+              <a:buChar char="•"/>
+            </a:pPr>
+            <a:r>
+              <a:rPr lang="de-DE" sz="2000" dirty="0"/>
+              <a:t>Docker Container</a:t>
             </a:r>
           </a:p>
         </p:txBody>
@@ -5391,7 +5477,7 @@
         </p:blipFill>
         <p:spPr>
           <a:xfrm>
-            <a:off x="383115" y="2431643"/>
+            <a:off x="383115" y="2547554"/>
             <a:ext cx="8503298" cy="3534183"/>
           </a:xfrm>
           <a:prstGeom prst="rect">
